--- a/Lectures/Lecture-6.pptx
+++ b/Lectures/Lecture-6.pptx
@@ -5845,7 +5845,7 @@
           <a:graphicData uri="http://schemas.openxmlformats.org/presentationml/2006/ole">
             <mc:AlternateContent xmlns:mc="http://schemas.openxmlformats.org/markup-compatibility/2006">
               <mc:Choice xmlns:v="urn:schemas-microsoft-com:vml" Requires="v">
-                <p:oleObj spid="_x0000_s44062" name="Visio" r:id="rId3" imgW="7007454" imgH="8108144" progId="Visio.Drawing.6">
+                <p:oleObj spid="_x0000_s44063" name="Visio" r:id="rId3" imgW="7007454" imgH="8108144" progId="Visio.Drawing.6">
                   <p:embed/>
                 </p:oleObj>
               </mc:Choice>
@@ -5981,8 +5981,8 @@
           </a:p>
         </p:txBody>
       </p:sp>
-      <mc:AlternateContent xmlns:mc="http://schemas.openxmlformats.org/markup-compatibility/2006">
-        <mc:Choice xmlns:a14="http://schemas.microsoft.com/office/drawing/2010/main" Requires="a14">
+      <mc:AlternateContent xmlns:mc="http://schemas.openxmlformats.org/markup-compatibility/2006" xmlns:a14="http://schemas.microsoft.com/office/drawing/2010/main">
+        <mc:Choice Requires="a14">
           <p:sp>
             <p:nvSpPr>
               <p:cNvPr id="43011" name="Rectangle 3"/>
@@ -6089,7 +6089,7 @@
             </p:txBody>
           </p:sp>
         </mc:Choice>
-        <mc:Fallback>
+        <mc:Fallback xmlns="">
           <p:sp>
             <p:nvSpPr>
               <p:cNvPr id="43011" name="Rectangle 3"/>
@@ -6127,8 +6127,8 @@
           </p:sp>
         </mc:Fallback>
       </mc:AlternateContent>
-      <mc:AlternateContent xmlns:mc="http://schemas.openxmlformats.org/markup-compatibility/2006">
-        <mc:Choice xmlns:a14="http://schemas.microsoft.com/office/drawing/2010/main" Requires="a14">
+      <mc:AlternateContent xmlns:mc="http://schemas.openxmlformats.org/markup-compatibility/2006" xmlns:a14="http://schemas.microsoft.com/office/drawing/2010/main">
+        <mc:Choice Requires="a14">
           <p:sp>
             <p:nvSpPr>
               <p:cNvPr id="43012" name="Object 4"/>
@@ -6389,7 +6389,7 @@
             </p:txBody>
           </p:sp>
         </mc:Choice>
-        <mc:Fallback>
+        <mc:Fallback xmlns="">
           <p:sp>
             <p:nvSpPr>
               <p:cNvPr id="43012" name="Object 4"/>
@@ -6544,7 +6544,7 @@
           <a:graphicData uri="http://schemas.openxmlformats.org/presentationml/2006/ole">
             <mc:AlternateContent xmlns:mc="http://schemas.openxmlformats.org/markup-compatibility/2006">
               <mc:Choice xmlns:v="urn:schemas-microsoft-com:vml" Requires="v">
-                <p:oleObj spid="_x0000_s45086" name="Visio" r:id="rId3" imgW="6582512" imgH="5298053" progId="Visio.Drawing.6">
+                <p:oleObj spid="_x0000_s45087" name="Visio" r:id="rId3" imgW="6582512" imgH="5298053" progId="Visio.Drawing.6">
                   <p:embed/>
                 </p:oleObj>
               </mc:Choice>
@@ -8762,16 +8762,11 @@
               <a:rPr lang="en-US" dirty="0" smtClean="0"/>
               <a:t>Building a decision tree</a:t>
             </a:r>
-            <a:endParaRPr lang="en-US" dirty="0" smtClean="0"/>
           </a:p>
           <a:p>
             <a:r>
               <a:rPr lang="en-US" dirty="0" smtClean="0"/>
-              <a:t>Case </a:t>
-            </a:r>
-            <a:r>
-              <a:rPr lang="en-US" dirty="0" smtClean="0"/>
-              <a:t>Study presentations</a:t>
+              <a:t>Case Study presentations</a:t>
             </a:r>
           </a:p>
           <a:p>
@@ -9081,8 +9076,13 @@
             <a:pPr lvl="1"/>
             <a:r>
               <a:rPr lang="en-US" dirty="0" smtClean="0"/>
-              <a:t>/r/couch25k</a:t>
-            </a:r>
+              <a:t>/</a:t>
+            </a:r>
+            <a:r>
+              <a:rPr lang="en-US" dirty="0" smtClean="0"/>
+              <a:t>r/c25k</a:t>
+            </a:r>
+            <a:endParaRPr lang="en-US" dirty="0" smtClean="0"/>
           </a:p>
           <a:p>
             <a:pPr lvl="1"/>
@@ -9874,7 +9874,7 @@
           <a:graphicData uri="http://schemas.openxmlformats.org/presentationml/2006/ole">
             <mc:AlternateContent xmlns:mc="http://schemas.openxmlformats.org/markup-compatibility/2006">
               <mc:Choice xmlns:v="urn:schemas-microsoft-com:vml" Requires="v">
-                <p:oleObj spid="_x0000_s39979" name="Equation" r:id="rId3" imgW="5041900" imgH="787400" progId="Equation.3">
+                <p:oleObj spid="_x0000_s39980" name="Equation" r:id="rId3" imgW="5041900" imgH="787400" progId="Equation.3">
                   <p:embed/>
                 </p:oleObj>
               </mc:Choice>
@@ -10012,7 +10012,7 @@
           <a:graphicData uri="http://schemas.openxmlformats.org/presentationml/2006/ole">
             <mc:AlternateContent xmlns:mc="http://schemas.openxmlformats.org/markup-compatibility/2006">
               <mc:Choice xmlns:v="urn:schemas-microsoft-com:vml" Requires="v">
-                <p:oleObj spid="_x0000_s41003" name="Worksheet" r:id="rId3" imgW="6115431" imgH="4458208" progId="Excel.Sheet.8">
+                <p:oleObj spid="_x0000_s41004" name="Worksheet" r:id="rId3" imgW="6115431" imgH="4458208" progId="Excel.Sheet.8">
                   <p:embed/>
                 </p:oleObj>
               </mc:Choice>
@@ -10502,7 +10502,7 @@
           <a:graphicData uri="http://schemas.openxmlformats.org/presentationml/2006/ole">
             <mc:AlternateContent xmlns:mc="http://schemas.openxmlformats.org/markup-compatibility/2006">
               <mc:Choice xmlns:v="urn:schemas-microsoft-com:vml" Requires="v">
-                <p:oleObj spid="_x0000_s42232" name="Worksheet" r:id="rId3" imgW="3353071" imgH="1438536" progId="Excel.Sheet.8">
+                <p:oleObj spid="_x0000_s42238" name="Worksheet" r:id="rId3" imgW="3353071" imgH="1438536" progId="Excel.Sheet.8">
                   <p:embed/>
                 </p:oleObj>
               </mc:Choice>
@@ -10597,7 +10597,7 @@
           <a:graphicData uri="http://schemas.openxmlformats.org/presentationml/2006/ole">
             <mc:AlternateContent xmlns:mc="http://schemas.openxmlformats.org/markup-compatibility/2006">
               <mc:Choice xmlns:v="urn:schemas-microsoft-com:vml" Requires="v">
-                <p:oleObj spid="_x0000_s42233" name="Equation" r:id="rId5" imgW="1866600" imgH="812520" progId="Equation.3">
+                <p:oleObj spid="_x0000_s42239" name="Equation" r:id="rId5" imgW="1866600" imgH="812520" progId="Equation.3">
                   <p:embed/>
                 </p:oleObj>
               </mc:Choice>
@@ -10947,7 +10947,7 @@
           <a:graphicData uri="http://schemas.openxmlformats.org/presentationml/2006/ole">
             <mc:AlternateContent xmlns:mc="http://schemas.openxmlformats.org/markup-compatibility/2006">
               <mc:Choice xmlns:v="urn:schemas-microsoft-com:vml" Requires="v">
-                <p:oleObj spid="_x0000_s42234" name="Equation" r:id="rId7" imgW="583920" imgH="393480" progId="Equation.3">
+                <p:oleObj spid="_x0000_s42240" name="Equation" r:id="rId7" imgW="583920" imgH="393480" progId="Equation.3">
                   <p:embed/>
                 </p:oleObj>
               </mc:Choice>
@@ -11042,7 +11042,7 @@
           <a:graphicData uri="http://schemas.openxmlformats.org/presentationml/2006/ole">
             <mc:AlternateContent xmlns:mc="http://schemas.openxmlformats.org/markup-compatibility/2006">
               <mc:Choice xmlns:v="urn:schemas-microsoft-com:vml" Requires="v">
-                <p:oleObj spid="_x0000_s42235" name="Equation" r:id="rId9" imgW="2311200" imgH="203040" progId="Equation.3">
+                <p:oleObj spid="_x0000_s42241" name="Equation" r:id="rId9" imgW="2311200" imgH="203040" progId="Equation.3">
                   <p:embed/>
                 </p:oleObj>
               </mc:Choice>
@@ -11137,7 +11137,7 @@
           <a:graphicData uri="http://schemas.openxmlformats.org/presentationml/2006/ole">
             <mc:AlternateContent xmlns:mc="http://schemas.openxmlformats.org/markup-compatibility/2006">
               <mc:Choice xmlns:v="urn:schemas-microsoft-com:vml" Requires="v">
-                <p:oleObj spid="_x0000_s42236" name="Equation" r:id="rId11" imgW="3593880" imgH="1193760" progId="Equation.3">
+                <p:oleObj spid="_x0000_s42242" name="Equation" r:id="rId11" imgW="3593880" imgH="1193760" progId="Equation.3">
                   <p:embed/>
                 </p:oleObj>
               </mc:Choice>
@@ -11232,7 +11232,7 @@
           <a:graphicData uri="http://schemas.openxmlformats.org/presentationml/2006/ole">
             <mc:AlternateContent xmlns:mc="http://schemas.openxmlformats.org/markup-compatibility/2006">
               <mc:Choice xmlns:v="urn:schemas-microsoft-com:vml" Requires="v">
-                <p:oleObj spid="_x0000_s42237" name="Worksheet" r:id="rId13" imgW="6115431" imgH="4458208" progId="Excel.Sheet.8">
+                <p:oleObj spid="_x0000_s42243" name="Worksheet" r:id="rId13" imgW="6115431" imgH="4458208" progId="Excel.Sheet.8">
                   <p:embed/>
                 </p:oleObj>
               </mc:Choice>

--- a/Lectures/Lecture-6.pptx
+++ b/Lectures/Lecture-6.pptx
@@ -5,7 +5,7 @@
     <p:sldMasterId id="2147483648" r:id="rId1"/>
   </p:sldMasterIdLst>
   <p:notesMasterIdLst>
-    <p:notesMasterId r:id="rId27"/>
+    <p:notesMasterId r:id="rId28"/>
   </p:notesMasterIdLst>
   <p:sldIdLst>
     <p:sldId id="256" r:id="rId2"/>
@@ -33,6 +33,7 @@
     <p:sldId id="508" r:id="rId24"/>
     <p:sldId id="509" r:id="rId25"/>
     <p:sldId id="510" r:id="rId26"/>
+    <p:sldId id="511" r:id="rId27"/>
   </p:sldIdLst>
   <p:sldSz cx="12192000" cy="6858000"/>
   <p:notesSz cx="6858000" cy="9144000"/>
@@ -5845,7 +5846,7 @@
           <a:graphicData uri="http://schemas.openxmlformats.org/presentationml/2006/ole">
             <mc:AlternateContent xmlns:mc="http://schemas.openxmlformats.org/markup-compatibility/2006">
               <mc:Choice xmlns:v="urn:schemas-microsoft-com:vml" Requires="v">
-                <p:oleObj spid="_x0000_s44063" name="Visio" r:id="rId3" imgW="7007454" imgH="8108144" progId="Visio.Drawing.6">
+                <p:oleObj spid="_x0000_s44067" name="Visio" r:id="rId3" imgW="7007454" imgH="8108144" progId="Visio.Drawing.6">
                   <p:embed/>
                 </p:oleObj>
               </mc:Choice>
@@ -6544,7 +6545,7 @@
           <a:graphicData uri="http://schemas.openxmlformats.org/presentationml/2006/ole">
             <mc:AlternateContent xmlns:mc="http://schemas.openxmlformats.org/markup-compatibility/2006">
               <mc:Choice xmlns:v="urn:schemas-microsoft-com:vml" Requires="v">
-                <p:oleObj spid="_x0000_s45087" name="Visio" r:id="rId3" imgW="6582512" imgH="5298053" progId="Visio.Drawing.6">
+                <p:oleObj spid="_x0000_s45091" name="Visio" r:id="rId3" imgW="6582512" imgH="5298053" progId="Visio.Drawing.6">
                   <p:embed/>
                 </p:oleObj>
               </mc:Choice>
@@ -9076,13 +9077,8 @@
             <a:pPr lvl="1"/>
             <a:r>
               <a:rPr lang="en-US" dirty="0" smtClean="0"/>
-              <a:t>/</a:t>
-            </a:r>
-            <a:r>
-              <a:rPr lang="en-US" dirty="0" smtClean="0"/>
-              <a:t>r/c25k</a:t>
-            </a:r>
-            <a:endParaRPr lang="en-US" dirty="0" smtClean="0"/>
+              <a:t>/r/c25k</a:t>
+            </a:r>
           </a:p>
           <a:p>
             <a:pPr lvl="1"/>
@@ -9649,6 +9645,145 @@
 </p:sld>
 </file>
 
+<file path=ppt/slides/slide26.xml><?xml version="1.0" encoding="utf-8"?>
+<p:sld xmlns:a="http://schemas.openxmlformats.org/drawingml/2006/main" xmlns:r="http://schemas.openxmlformats.org/officeDocument/2006/relationships" xmlns:p="http://schemas.openxmlformats.org/presentationml/2006/main">
+  <p:cSld>
+    <p:spTree>
+      <p:nvGrpSpPr>
+        <p:cNvPr id="1" name=""/>
+        <p:cNvGrpSpPr/>
+        <p:nvPr/>
+      </p:nvGrpSpPr>
+      <p:grpSpPr>
+        <a:xfrm>
+          <a:off x="0" y="0"/>
+          <a:ext cx="0" cy="0"/>
+          <a:chOff x="0" y="0"/>
+          <a:chExt cx="0" cy="0"/>
+        </a:xfrm>
+      </p:grpSpPr>
+      <p:sp>
+        <p:nvSpPr>
+          <p:cNvPr id="2" name="Title 1"/>
+          <p:cNvSpPr>
+            <a:spLocks noGrp="1"/>
+          </p:cNvSpPr>
+          <p:nvPr>
+            <p:ph type="title"/>
+          </p:nvPr>
+        </p:nvSpPr>
+        <p:spPr/>
+        <p:txBody>
+          <a:bodyPr/>
+          <a:lstStyle/>
+          <a:p>
+            <a:r>
+              <a:rPr lang="en-US" dirty="0" smtClean="0"/>
+              <a:t>If you don’t like this project, here is an option</a:t>
+            </a:r>
+            <a:endParaRPr lang="en-US" dirty="0"/>
+          </a:p>
+        </p:txBody>
+      </p:sp>
+      <p:pic>
+        <p:nvPicPr>
+          <p:cNvPr id="4" name="Picture 3"/>
+          <p:cNvPicPr>
+            <a:picLocks noChangeAspect="1"/>
+          </p:cNvPicPr>
+          <p:nvPr/>
+        </p:nvPicPr>
+        <p:blipFill>
+          <a:blip r:embed="rId2"/>
+          <a:stretch>
+            <a:fillRect/>
+          </a:stretch>
+        </p:blipFill>
+        <p:spPr>
+          <a:xfrm>
+            <a:off x="963556" y="1690688"/>
+            <a:ext cx="10264887" cy="3568879"/>
+          </a:xfrm>
+          <a:prstGeom prst="rect">
+            <a:avLst/>
+          </a:prstGeom>
+        </p:spPr>
+      </p:pic>
+      <p:sp>
+        <p:nvSpPr>
+          <p:cNvPr id="5" name="TextBox 4"/>
+          <p:cNvSpPr txBox="1"/>
+          <p:nvPr/>
+        </p:nvSpPr>
+        <p:spPr>
+          <a:xfrm>
+            <a:off x="838200" y="5506065"/>
+            <a:ext cx="10515600" cy="1384995"/>
+          </a:xfrm>
+          <a:prstGeom prst="rect">
+            <a:avLst/>
+          </a:prstGeom>
+          <a:noFill/>
+        </p:spPr>
+        <p:txBody>
+          <a:bodyPr wrap="square" rtlCol="0">
+            <a:spAutoFit/>
+          </a:bodyPr>
+          <a:lstStyle/>
+          <a:p>
+            <a:pPr marL="285750" indent="-285750">
+              <a:buFont typeface="Arial" panose="020B0604020202020204" pitchFamily="34" charset="0"/>
+              <a:buChar char="•"/>
+            </a:pPr>
+            <a:r>
+              <a:rPr lang="en-US" sz="2800" dirty="0">
+                <a:hlinkClick r:id="rId3"/>
+              </a:rPr>
+              <a:t>https://</a:t>
+            </a:r>
+            <a:r>
+              <a:rPr lang="en-US" sz="2800" dirty="0" smtClean="0">
+                <a:hlinkClick r:id="rId3"/>
+              </a:rPr>
+              <a:t>sites.google.com/view/icwsm2020datachallenge/home</a:t>
+            </a:r>
+            <a:r>
+              <a:rPr lang="en-US" sz="2800" dirty="0" smtClean="0"/>
+              <a:t> </a:t>
+            </a:r>
+          </a:p>
+          <a:p>
+            <a:pPr marL="285750" indent="-285750">
+              <a:buFont typeface="Arial" panose="020B0604020202020204" pitchFamily="34" charset="0"/>
+              <a:buChar char="•"/>
+            </a:pPr>
+            <a:r>
+              <a:rPr lang="en-US" sz="2800" dirty="0" smtClean="0"/>
+              <a:t>Working towards a publication</a:t>
+            </a:r>
+          </a:p>
+          <a:p>
+            <a:pPr marL="285750" indent="-285750">
+              <a:buFont typeface="Arial" panose="020B0604020202020204" pitchFamily="34" charset="0"/>
+              <a:buChar char="•"/>
+            </a:pPr>
+            <a:endParaRPr lang="en-US" sz="2800" dirty="0"/>
+          </a:p>
+        </p:txBody>
+      </p:sp>
+    </p:spTree>
+    <p:extLst>
+      <p:ext uri="{BB962C8B-B14F-4D97-AF65-F5344CB8AC3E}">
+        <p14:creationId xmlns:p14="http://schemas.microsoft.com/office/powerpoint/2010/main" val="942086761"/>
+      </p:ext>
+    </p:extLst>
+  </p:cSld>
+  <p:clrMapOvr>
+    <a:masterClrMapping/>
+  </p:clrMapOvr>
+</p:sld>
+</file>
+
 <file path=ppt/slides/slide3.xml><?xml version="1.0" encoding="utf-8"?>
 <p:sld xmlns:a="http://schemas.openxmlformats.org/drawingml/2006/main" xmlns:r="http://schemas.openxmlformats.org/officeDocument/2006/relationships" xmlns:p="http://schemas.openxmlformats.org/presentationml/2006/main">
   <p:cSld>
@@ -9874,7 +10009,7 @@
           <a:graphicData uri="http://schemas.openxmlformats.org/presentationml/2006/ole">
             <mc:AlternateContent xmlns:mc="http://schemas.openxmlformats.org/markup-compatibility/2006">
               <mc:Choice xmlns:v="urn:schemas-microsoft-com:vml" Requires="v">
-                <p:oleObj spid="_x0000_s39980" name="Equation" r:id="rId3" imgW="5041900" imgH="787400" progId="Equation.3">
+                <p:oleObj spid="_x0000_s39984" name="Equation" r:id="rId3" imgW="5041900" imgH="787400" progId="Equation.3">
                   <p:embed/>
                 </p:oleObj>
               </mc:Choice>
@@ -10012,7 +10147,7 @@
           <a:graphicData uri="http://schemas.openxmlformats.org/presentationml/2006/ole">
             <mc:AlternateContent xmlns:mc="http://schemas.openxmlformats.org/markup-compatibility/2006">
               <mc:Choice xmlns:v="urn:schemas-microsoft-com:vml" Requires="v">
-                <p:oleObj spid="_x0000_s41004" name="Worksheet" r:id="rId3" imgW="6115431" imgH="4458208" progId="Excel.Sheet.8">
+                <p:oleObj spid="_x0000_s41008" name="Worksheet" r:id="rId3" imgW="6115431" imgH="4458208" progId="Excel.Sheet.8">
                   <p:embed/>
                 </p:oleObj>
               </mc:Choice>
@@ -10502,7 +10637,7 @@
           <a:graphicData uri="http://schemas.openxmlformats.org/presentationml/2006/ole">
             <mc:AlternateContent xmlns:mc="http://schemas.openxmlformats.org/markup-compatibility/2006">
               <mc:Choice xmlns:v="urn:schemas-microsoft-com:vml" Requires="v">
-                <p:oleObj spid="_x0000_s42238" name="Worksheet" r:id="rId3" imgW="3353071" imgH="1438536" progId="Excel.Sheet.8">
+                <p:oleObj spid="_x0000_s42262" name="Worksheet" r:id="rId3" imgW="3353071" imgH="1438536" progId="Excel.Sheet.8">
                   <p:embed/>
                 </p:oleObj>
               </mc:Choice>
@@ -10597,7 +10732,7 @@
           <a:graphicData uri="http://schemas.openxmlformats.org/presentationml/2006/ole">
             <mc:AlternateContent xmlns:mc="http://schemas.openxmlformats.org/markup-compatibility/2006">
               <mc:Choice xmlns:v="urn:schemas-microsoft-com:vml" Requires="v">
-                <p:oleObj spid="_x0000_s42239" name="Equation" r:id="rId5" imgW="1866600" imgH="812520" progId="Equation.3">
+                <p:oleObj spid="_x0000_s42263" name="Equation" r:id="rId5" imgW="1866600" imgH="812520" progId="Equation.3">
                   <p:embed/>
                 </p:oleObj>
               </mc:Choice>
@@ -10947,7 +11082,7 @@
           <a:graphicData uri="http://schemas.openxmlformats.org/presentationml/2006/ole">
             <mc:AlternateContent xmlns:mc="http://schemas.openxmlformats.org/markup-compatibility/2006">
               <mc:Choice xmlns:v="urn:schemas-microsoft-com:vml" Requires="v">
-                <p:oleObj spid="_x0000_s42240" name="Equation" r:id="rId7" imgW="583920" imgH="393480" progId="Equation.3">
+                <p:oleObj spid="_x0000_s42264" name="Equation" r:id="rId7" imgW="583920" imgH="393480" progId="Equation.3">
                   <p:embed/>
                 </p:oleObj>
               </mc:Choice>
@@ -11042,7 +11177,7 @@
           <a:graphicData uri="http://schemas.openxmlformats.org/presentationml/2006/ole">
             <mc:AlternateContent xmlns:mc="http://schemas.openxmlformats.org/markup-compatibility/2006">
               <mc:Choice xmlns:v="urn:schemas-microsoft-com:vml" Requires="v">
-                <p:oleObj spid="_x0000_s42241" name="Equation" r:id="rId9" imgW="2311200" imgH="203040" progId="Equation.3">
+                <p:oleObj spid="_x0000_s42265" name="Equation" r:id="rId9" imgW="2311200" imgH="203040" progId="Equation.3">
                   <p:embed/>
                 </p:oleObj>
               </mc:Choice>
@@ -11137,7 +11272,7 @@
           <a:graphicData uri="http://schemas.openxmlformats.org/presentationml/2006/ole">
             <mc:AlternateContent xmlns:mc="http://schemas.openxmlformats.org/markup-compatibility/2006">
               <mc:Choice xmlns:v="urn:schemas-microsoft-com:vml" Requires="v">
-                <p:oleObj spid="_x0000_s42242" name="Equation" r:id="rId11" imgW="3593880" imgH="1193760" progId="Equation.3">
+                <p:oleObj spid="_x0000_s42266" name="Equation" r:id="rId11" imgW="3593880" imgH="1193760" progId="Equation.3">
                   <p:embed/>
                 </p:oleObj>
               </mc:Choice>
@@ -11232,7 +11367,7 @@
           <a:graphicData uri="http://schemas.openxmlformats.org/presentationml/2006/ole">
             <mc:AlternateContent xmlns:mc="http://schemas.openxmlformats.org/markup-compatibility/2006">
               <mc:Choice xmlns:v="urn:schemas-microsoft-com:vml" Requires="v">
-                <p:oleObj spid="_x0000_s42243" name="Worksheet" r:id="rId13" imgW="6115431" imgH="4458208" progId="Excel.Sheet.8">
+                <p:oleObj spid="_x0000_s42267" name="Worksheet" r:id="rId13" imgW="6115431" imgH="4458208" progId="Excel.Sheet.8">
                   <p:embed/>
                 </p:oleObj>
               </mc:Choice>

--- a/Lectures/Lecture-6.pptx
+++ b/Lectures/Lecture-6.pptx
@@ -222,7 +222,7 @@
           <a:p>
             <a:fld id="{D3753C18-6FB0-48A4-BE65-BC418673D728}" type="datetimeFigureOut">
               <a:rPr lang="en-US" smtClean="0"/>
-              <a:t>2/24/2020</a:t>
+              <a:t>3/10/2020</a:t>
             </a:fld>
             <a:endParaRPr lang="en-US"/>
           </a:p>
@@ -621,7 +621,7 @@
           <a:p>
             <a:fld id="{E3719F26-549C-4A29-8AFF-AAD68B8D7352}" type="datetimeFigureOut">
               <a:rPr lang="en-US" smtClean="0"/>
-              <a:t>2/24/2020</a:t>
+              <a:t>3/10/2020</a:t>
             </a:fld>
             <a:endParaRPr lang="en-US"/>
           </a:p>
@@ -791,7 +791,7 @@
           <a:p>
             <a:fld id="{E3719F26-549C-4A29-8AFF-AAD68B8D7352}" type="datetimeFigureOut">
               <a:rPr lang="en-US" smtClean="0"/>
-              <a:t>2/24/2020</a:t>
+              <a:t>3/10/2020</a:t>
             </a:fld>
             <a:endParaRPr lang="en-US"/>
           </a:p>
@@ -971,7 +971,7 @@
           <a:p>
             <a:fld id="{E3719F26-549C-4A29-8AFF-AAD68B8D7352}" type="datetimeFigureOut">
               <a:rPr lang="en-US" smtClean="0"/>
-              <a:t>2/24/2020</a:t>
+              <a:t>3/10/2020</a:t>
             </a:fld>
             <a:endParaRPr lang="en-US"/>
           </a:p>
@@ -1141,7 +1141,7 @@
           <a:p>
             <a:fld id="{E3719F26-549C-4A29-8AFF-AAD68B8D7352}" type="datetimeFigureOut">
               <a:rPr lang="en-US" smtClean="0"/>
-              <a:t>2/24/2020</a:t>
+              <a:t>3/10/2020</a:t>
             </a:fld>
             <a:endParaRPr lang="en-US"/>
           </a:p>
@@ -1387,7 +1387,7 @@
           <a:p>
             <a:fld id="{E3719F26-549C-4A29-8AFF-AAD68B8D7352}" type="datetimeFigureOut">
               <a:rPr lang="en-US" smtClean="0"/>
-              <a:t>2/24/2020</a:t>
+              <a:t>3/10/2020</a:t>
             </a:fld>
             <a:endParaRPr lang="en-US"/>
           </a:p>
@@ -1619,7 +1619,7 @@
           <a:p>
             <a:fld id="{E3719F26-549C-4A29-8AFF-AAD68B8D7352}" type="datetimeFigureOut">
               <a:rPr lang="en-US" smtClean="0"/>
-              <a:t>2/24/2020</a:t>
+              <a:t>3/10/2020</a:t>
             </a:fld>
             <a:endParaRPr lang="en-US"/>
           </a:p>
@@ -1986,7 +1986,7 @@
           <a:p>
             <a:fld id="{E3719F26-549C-4A29-8AFF-AAD68B8D7352}" type="datetimeFigureOut">
               <a:rPr lang="en-US" smtClean="0"/>
-              <a:t>2/24/2020</a:t>
+              <a:t>3/10/2020</a:t>
             </a:fld>
             <a:endParaRPr lang="en-US"/>
           </a:p>
@@ -2104,7 +2104,7 @@
           <a:p>
             <a:fld id="{E3719F26-549C-4A29-8AFF-AAD68B8D7352}" type="datetimeFigureOut">
               <a:rPr lang="en-US" smtClean="0"/>
-              <a:t>2/24/2020</a:t>
+              <a:t>3/10/2020</a:t>
             </a:fld>
             <a:endParaRPr lang="en-US"/>
           </a:p>
@@ -2199,7 +2199,7 @@
           <a:p>
             <a:fld id="{E3719F26-549C-4A29-8AFF-AAD68B8D7352}" type="datetimeFigureOut">
               <a:rPr lang="en-US" smtClean="0"/>
-              <a:t>2/24/2020</a:t>
+              <a:t>3/10/2020</a:t>
             </a:fld>
             <a:endParaRPr lang="en-US"/>
           </a:p>
@@ -2476,7 +2476,7 @@
           <a:p>
             <a:fld id="{E3719F26-549C-4A29-8AFF-AAD68B8D7352}" type="datetimeFigureOut">
               <a:rPr lang="en-US" smtClean="0"/>
-              <a:t>2/24/2020</a:t>
+              <a:t>3/10/2020</a:t>
             </a:fld>
             <a:endParaRPr lang="en-US"/>
           </a:p>
@@ -2729,7 +2729,7 @@
           <a:p>
             <a:fld id="{E3719F26-549C-4A29-8AFF-AAD68B8D7352}" type="datetimeFigureOut">
               <a:rPr lang="en-US" smtClean="0"/>
-              <a:t>2/24/2020</a:t>
+              <a:t>3/10/2020</a:t>
             </a:fld>
             <a:endParaRPr lang="en-US"/>
           </a:p>
@@ -2942,7 +2942,7 @@
           <a:p>
             <a:fld id="{E3719F26-549C-4A29-8AFF-AAD68B8D7352}" type="datetimeFigureOut">
               <a:rPr lang="en-US" smtClean="0"/>
-              <a:t>2/24/2020</a:t>
+              <a:t>3/10/2020</a:t>
             </a:fld>
             <a:endParaRPr lang="en-US"/>
           </a:p>
@@ -3721,6 +3721,14 @@
   <p:clrMapOvr>
     <a:masterClrMapping/>
   </p:clrMapOvr>
+  <mc:AlternateContent xmlns:mc="http://schemas.openxmlformats.org/markup-compatibility/2006">
+    <mc:Choice xmlns:p14="http://schemas.microsoft.com/office/powerpoint/2010/main" Requires="p14">
+      <p:transition spd="slow" p14:dur="2000" advTm="14921"/>
+    </mc:Choice>
+    <mc:Fallback>
+      <p:transition spd="slow" advTm="14921"/>
+    </mc:Fallback>
+  </mc:AlternateContent>
   <p:timing>
     <p:tnLst>
       <p:par>
@@ -5846,7 +5854,7 @@
           <a:graphicData uri="http://schemas.openxmlformats.org/presentationml/2006/ole">
             <mc:AlternateContent xmlns:mc="http://schemas.openxmlformats.org/markup-compatibility/2006">
               <mc:Choice xmlns:v="urn:schemas-microsoft-com:vml" Requires="v">
-                <p:oleObj spid="_x0000_s44067" name="Visio" r:id="rId3" imgW="7007454" imgH="8108144" progId="Visio.Drawing.6">
+                <p:oleObj spid="_x0000_s44068" name="Visio" r:id="rId3" imgW="7007454" imgH="8108144" progId="Visio.Drawing.6">
                   <p:embed/>
                 </p:oleObj>
               </mc:Choice>
@@ -6545,7 +6553,7 @@
           <a:graphicData uri="http://schemas.openxmlformats.org/presentationml/2006/ole">
             <mc:AlternateContent xmlns:mc="http://schemas.openxmlformats.org/markup-compatibility/2006">
               <mc:Choice xmlns:v="urn:schemas-microsoft-com:vml" Requires="v">
-                <p:oleObj spid="_x0000_s45091" name="Visio" r:id="rId3" imgW="6582512" imgH="5298053" progId="Visio.Drawing.6">
+                <p:oleObj spid="_x0000_s45092" name="Visio" r:id="rId3" imgW="6582512" imgH="5298053" progId="Visio.Drawing.6">
                   <p:embed/>
                 </p:oleObj>
               </mc:Choice>
@@ -8795,6 +8803,14 @@
   <p:clrMapOvr>
     <a:masterClrMapping/>
   </p:clrMapOvr>
+  <mc:AlternateContent xmlns:mc="http://schemas.openxmlformats.org/markup-compatibility/2006">
+    <mc:Choice xmlns:p14="http://schemas.microsoft.com/office/powerpoint/2010/main" Requires="p14">
+      <p:transition spd="slow" p14:dur="2000" advTm="12550"/>
+    </mc:Choice>
+    <mc:Fallback>
+      <p:transition spd="slow" advTm="12550"/>
+    </mc:Fallback>
+  </mc:AlternateContent>
   <p:timing>
     <p:tnLst>
       <p:par>
@@ -9853,6 +9869,13 @@
   <p:clrMapOvr>
     <a:masterClrMapping/>
   </p:clrMapOvr>
+  <p:timing>
+    <p:tnLst>
+      <p:par>
+        <p:cTn id="1" dur="indefinite" restart="never" nodeType="tmRoot"/>
+      </p:par>
+    </p:tnLst>
+  </p:timing>
 </p:sld>
 </file>
 
@@ -10009,7 +10032,7 @@
           <a:graphicData uri="http://schemas.openxmlformats.org/presentationml/2006/ole">
             <mc:AlternateContent xmlns:mc="http://schemas.openxmlformats.org/markup-compatibility/2006">
               <mc:Choice xmlns:v="urn:schemas-microsoft-com:vml" Requires="v">
-                <p:oleObj spid="_x0000_s39984" name="Equation" r:id="rId3" imgW="5041900" imgH="787400" progId="Equation.3">
+                <p:oleObj spid="_x0000_s39985" name="Equation" r:id="rId3" imgW="5041900" imgH="787400" progId="Equation.3">
                   <p:embed/>
                 </p:oleObj>
               </mc:Choice>
@@ -10147,7 +10170,7 @@
           <a:graphicData uri="http://schemas.openxmlformats.org/presentationml/2006/ole">
             <mc:AlternateContent xmlns:mc="http://schemas.openxmlformats.org/markup-compatibility/2006">
               <mc:Choice xmlns:v="urn:schemas-microsoft-com:vml" Requires="v">
-                <p:oleObj spid="_x0000_s41008" name="Worksheet" r:id="rId3" imgW="6115431" imgH="4458208" progId="Excel.Sheet.8">
+                <p:oleObj spid="_x0000_s41009" name="Worksheet" r:id="rId3" imgW="6115431" imgH="4458208" progId="Excel.Sheet.8">
                   <p:embed/>
                 </p:oleObj>
               </mc:Choice>
@@ -10637,7 +10660,7 @@
           <a:graphicData uri="http://schemas.openxmlformats.org/presentationml/2006/ole">
             <mc:AlternateContent xmlns:mc="http://schemas.openxmlformats.org/markup-compatibility/2006">
               <mc:Choice xmlns:v="urn:schemas-microsoft-com:vml" Requires="v">
-                <p:oleObj spid="_x0000_s42262" name="Worksheet" r:id="rId3" imgW="3353071" imgH="1438536" progId="Excel.Sheet.8">
+                <p:oleObj spid="_x0000_s42268" name="Worksheet" r:id="rId3" imgW="3353071" imgH="1438536" progId="Excel.Sheet.8">
                   <p:embed/>
                 </p:oleObj>
               </mc:Choice>
@@ -10732,7 +10755,7 @@
           <a:graphicData uri="http://schemas.openxmlformats.org/presentationml/2006/ole">
             <mc:AlternateContent xmlns:mc="http://schemas.openxmlformats.org/markup-compatibility/2006">
               <mc:Choice xmlns:v="urn:schemas-microsoft-com:vml" Requires="v">
-                <p:oleObj spid="_x0000_s42263" name="Equation" r:id="rId5" imgW="1866600" imgH="812520" progId="Equation.3">
+                <p:oleObj spid="_x0000_s42269" name="Equation" r:id="rId5" imgW="1866600" imgH="812520" progId="Equation.3">
                   <p:embed/>
                 </p:oleObj>
               </mc:Choice>
@@ -11082,7 +11105,7 @@
           <a:graphicData uri="http://schemas.openxmlformats.org/presentationml/2006/ole">
             <mc:AlternateContent xmlns:mc="http://schemas.openxmlformats.org/markup-compatibility/2006">
               <mc:Choice xmlns:v="urn:schemas-microsoft-com:vml" Requires="v">
-                <p:oleObj spid="_x0000_s42264" name="Equation" r:id="rId7" imgW="583920" imgH="393480" progId="Equation.3">
+                <p:oleObj spid="_x0000_s42270" name="Equation" r:id="rId7" imgW="583920" imgH="393480" progId="Equation.3">
                   <p:embed/>
                 </p:oleObj>
               </mc:Choice>
@@ -11177,7 +11200,7 @@
           <a:graphicData uri="http://schemas.openxmlformats.org/presentationml/2006/ole">
             <mc:AlternateContent xmlns:mc="http://schemas.openxmlformats.org/markup-compatibility/2006">
               <mc:Choice xmlns:v="urn:schemas-microsoft-com:vml" Requires="v">
-                <p:oleObj spid="_x0000_s42265" name="Equation" r:id="rId9" imgW="2311200" imgH="203040" progId="Equation.3">
+                <p:oleObj spid="_x0000_s42271" name="Equation" r:id="rId9" imgW="2311200" imgH="203040" progId="Equation.3">
                   <p:embed/>
                 </p:oleObj>
               </mc:Choice>
@@ -11272,7 +11295,7 @@
           <a:graphicData uri="http://schemas.openxmlformats.org/presentationml/2006/ole">
             <mc:AlternateContent xmlns:mc="http://schemas.openxmlformats.org/markup-compatibility/2006">
               <mc:Choice xmlns:v="urn:schemas-microsoft-com:vml" Requires="v">
-                <p:oleObj spid="_x0000_s42266" name="Equation" r:id="rId11" imgW="3593880" imgH="1193760" progId="Equation.3">
+                <p:oleObj spid="_x0000_s42272" name="Equation" r:id="rId11" imgW="3593880" imgH="1193760" progId="Equation.3">
                   <p:embed/>
                 </p:oleObj>
               </mc:Choice>
@@ -11367,7 +11390,7 @@
           <a:graphicData uri="http://schemas.openxmlformats.org/presentationml/2006/ole">
             <mc:AlternateContent xmlns:mc="http://schemas.openxmlformats.org/markup-compatibility/2006">
               <mc:Choice xmlns:v="urn:schemas-microsoft-com:vml" Requires="v">
-                <p:oleObj spid="_x0000_s42267" name="Worksheet" r:id="rId13" imgW="6115431" imgH="4458208" progId="Excel.Sheet.8">
+                <p:oleObj spid="_x0000_s42273" name="Worksheet" r:id="rId13" imgW="6115431" imgH="4458208" progId="Excel.Sheet.8">
                   <p:embed/>
                 </p:oleObj>
               </mc:Choice>
